--- a/materials/presentations/Modele Skalowania Baz Danych.pptx
+++ b/materials/presentations/Modele Skalowania Baz Danych.pptx
@@ -5,22 +5,20 @@
     <p:sldMasterId id="2147483648" r:id="rId1"/>
   </p:sldMasterIdLst>
   <p:notesMasterIdLst>
-    <p:notesMasterId r:id="rId15"/>
+    <p:notesMasterId r:id="rId13"/>
   </p:notesMasterIdLst>
   <p:sldIdLst>
     <p:sldId id="256" r:id="rId2"/>
     <p:sldId id="287" r:id="rId3"/>
     <p:sldId id="288" r:id="rId4"/>
     <p:sldId id="289" r:id="rId5"/>
-    <p:sldId id="291" r:id="rId6"/>
-    <p:sldId id="292" r:id="rId7"/>
-    <p:sldId id="259" r:id="rId8"/>
-    <p:sldId id="290" r:id="rId9"/>
-    <p:sldId id="284" r:id="rId10"/>
-    <p:sldId id="285" r:id="rId11"/>
-    <p:sldId id="264" r:id="rId12"/>
-    <p:sldId id="294" r:id="rId13"/>
-    <p:sldId id="293" r:id="rId14"/>
+    <p:sldId id="295" r:id="rId6"/>
+    <p:sldId id="290" r:id="rId7"/>
+    <p:sldId id="284" r:id="rId8"/>
+    <p:sldId id="285" r:id="rId9"/>
+    <p:sldId id="291" r:id="rId10"/>
+    <p:sldId id="292" r:id="rId11"/>
+    <p:sldId id="259" r:id="rId12"/>
   </p:sldIdLst>
   <p:sldSz cx="12192000" cy="6858000"/>
   <p:notesSz cx="6858000" cy="9144000"/>
@@ -125,6 +123,103 @@
     </p:ext>
   </p:extLst>
 </p:presentation>
+</file>
+
+<file path=ppt/revisionInfo.xml><?xml version="1.0" encoding="utf-8"?>
+<p1510:revInfo xmlns:a="http://schemas.openxmlformats.org/drawingml/2006/main" xmlns:r="http://schemas.openxmlformats.org/officeDocument/2006/relationships" xmlns:p1510="http://schemas.microsoft.com/office/powerpoint/2015/10/main">
+  <p1510:revLst>
+    <p1510:client id="{A535533A-C768-616C-1807-D870732AA827}" v="32" dt="2022-12-15T15:46:54.155"/>
+    <p1510:client id="{EEF65ED4-7577-CAFF-C105-C7322805F412}" v="3" dt="2022-12-16T07:20:48.253"/>
+  </p1510:revLst>
+</p1510:revInfo>
+</file>
+
+<file path=ppt/changesInfos/changesInfo1.xml><?xml version="1.0" encoding="utf-8"?>
+<pc:chgInfo xmlns:a="http://schemas.openxmlformats.org/drawingml/2006/main" xmlns:r="http://schemas.openxmlformats.org/officeDocument/2006/relationships" xmlns:ac="http://schemas.microsoft.com/office/drawing/2013/main/command" xmlns:pc="http://schemas.microsoft.com/office/powerpoint/2013/main/command">
+  <pc:docChgLst>
+    <pc:chgData name="Aleksander Buczek" userId="S::aleksander.buczek@wsb.wroclaw.pl::214dcb20-0035-4e74-a70c-49226de76d7c" providerId="AD" clId="Web-{EEF65ED4-7577-CAFF-C105-C7322805F412}"/>
+    <pc:docChg chg="delSld">
+      <pc:chgData name="Aleksander Buczek" userId="S::aleksander.buczek@wsb.wroclaw.pl::214dcb20-0035-4e74-a70c-49226de76d7c" providerId="AD" clId="Web-{EEF65ED4-7577-CAFF-C105-C7322805F412}" dt="2022-12-16T07:20:48.253" v="2"/>
+      <pc:docMkLst>
+        <pc:docMk/>
+      </pc:docMkLst>
+      <pc:sldChg chg="del">
+        <pc:chgData name="Aleksander Buczek" userId="S::aleksander.buczek@wsb.wroclaw.pl::214dcb20-0035-4e74-a70c-49226de76d7c" providerId="AD" clId="Web-{EEF65ED4-7577-CAFF-C105-C7322805F412}" dt="2022-12-16T07:20:48.253" v="2"/>
+        <pc:sldMkLst>
+          <pc:docMk/>
+          <pc:sldMk cId="2448902465" sldId="264"/>
+        </pc:sldMkLst>
+      </pc:sldChg>
+      <pc:sldChg chg="del">
+        <pc:chgData name="Aleksander Buczek" userId="S::aleksander.buczek@wsb.wroclaw.pl::214dcb20-0035-4e74-a70c-49226de76d7c" providerId="AD" clId="Web-{EEF65ED4-7577-CAFF-C105-C7322805F412}" dt="2022-12-16T07:20:40.488" v="0"/>
+        <pc:sldMkLst>
+          <pc:docMk/>
+          <pc:sldMk cId="2956098321" sldId="293"/>
+        </pc:sldMkLst>
+      </pc:sldChg>
+      <pc:sldChg chg="del">
+        <pc:chgData name="Aleksander Buczek" userId="S::aleksander.buczek@wsb.wroclaw.pl::214dcb20-0035-4e74-a70c-49226de76d7c" providerId="AD" clId="Web-{EEF65ED4-7577-CAFF-C105-C7322805F412}" dt="2022-12-16T07:20:40.488" v="1"/>
+        <pc:sldMkLst>
+          <pc:docMk/>
+          <pc:sldMk cId="1268615317" sldId="294"/>
+        </pc:sldMkLst>
+      </pc:sldChg>
+    </pc:docChg>
+  </pc:docChgLst>
+  <pc:docChgLst>
+    <pc:chgData name="Aleksander Buczek" userId="S::aleksander.buczek@wsb.wroclaw.pl::214dcb20-0035-4e74-a70c-49226de76d7c" providerId="AD" clId="Web-{A535533A-C768-616C-1807-D870732AA827}"/>
+    <pc:docChg chg="addSld modSld sldOrd">
+      <pc:chgData name="Aleksander Buczek" userId="S::aleksander.buczek@wsb.wroclaw.pl::214dcb20-0035-4e74-a70c-49226de76d7c" providerId="AD" clId="Web-{A535533A-C768-616C-1807-D870732AA827}" dt="2022-12-15T15:46:52.952" v="29" actId="20577"/>
+      <pc:docMkLst>
+        <pc:docMk/>
+      </pc:docMkLst>
+      <pc:sldChg chg="ord">
+        <pc:chgData name="Aleksander Buczek" userId="S::aleksander.buczek@wsb.wroclaw.pl::214dcb20-0035-4e74-a70c-49226de76d7c" providerId="AD" clId="Web-{A535533A-C768-616C-1807-D870732AA827}" dt="2022-12-15T15:46:20.685" v="23"/>
+        <pc:sldMkLst>
+          <pc:docMk/>
+          <pc:sldMk cId="3978320005" sldId="259"/>
+        </pc:sldMkLst>
+      </pc:sldChg>
+      <pc:sldChg chg="ord">
+        <pc:chgData name="Aleksander Buczek" userId="S::aleksander.buczek@wsb.wroclaw.pl::214dcb20-0035-4e74-a70c-49226de76d7c" providerId="AD" clId="Web-{A535533A-C768-616C-1807-D870732AA827}" dt="2022-12-15T15:40:43.861" v="21"/>
+        <pc:sldMkLst>
+          <pc:docMk/>
+          <pc:sldMk cId="1633172030" sldId="291"/>
+        </pc:sldMkLst>
+      </pc:sldChg>
+      <pc:sldChg chg="ord">
+        <pc:chgData name="Aleksander Buczek" userId="S::aleksander.buczek@wsb.wroclaw.pl::214dcb20-0035-4e74-a70c-49226de76d7c" providerId="AD" clId="Web-{A535533A-C768-616C-1807-D870732AA827}" dt="2022-12-15T15:40:47.798" v="22"/>
+        <pc:sldMkLst>
+          <pc:docMk/>
+          <pc:sldMk cId="1111550937" sldId="292"/>
+        </pc:sldMkLst>
+      </pc:sldChg>
+      <pc:sldChg chg="modSp add ord replId">
+        <pc:chgData name="Aleksander Buczek" userId="S::aleksander.buczek@wsb.wroclaw.pl::214dcb20-0035-4e74-a70c-49226de76d7c" providerId="AD" clId="Web-{A535533A-C768-616C-1807-D870732AA827}" dt="2022-12-15T15:46:52.952" v="29" actId="20577"/>
+        <pc:sldMkLst>
+          <pc:docMk/>
+          <pc:sldMk cId="2398759303" sldId="295"/>
+        </pc:sldMkLst>
+        <pc:spChg chg="mod">
+          <ac:chgData name="Aleksander Buczek" userId="S::aleksander.buczek@wsb.wroclaw.pl::214dcb20-0035-4e74-a70c-49226de76d7c" providerId="AD" clId="Web-{A535533A-C768-616C-1807-D870732AA827}" dt="2022-12-15T15:29:02.117" v="10" actId="20577"/>
+          <ac:spMkLst>
+            <pc:docMk/>
+            <pc:sldMk cId="2398759303" sldId="295"/>
+            <ac:spMk id="2" creationId="{AA49CA30-BCD6-41DB-9D27-14A1E199F2A4}"/>
+          </ac:spMkLst>
+        </pc:spChg>
+        <pc:spChg chg="mod">
+          <ac:chgData name="Aleksander Buczek" userId="S::aleksander.buczek@wsb.wroclaw.pl::214dcb20-0035-4e74-a70c-49226de76d7c" providerId="AD" clId="Web-{A535533A-C768-616C-1807-D870732AA827}" dt="2022-12-15T15:46:52.952" v="29" actId="20577"/>
+          <ac:spMkLst>
+            <pc:docMk/>
+            <pc:sldMk cId="2398759303" sldId="295"/>
+            <ac:spMk id="6" creationId="{9A6D90D8-1B7F-4F93-99C4-CD64E1EDCEDB}"/>
+          </ac:spMkLst>
+        </pc:spChg>
+      </pc:sldChg>
+    </pc:docChg>
+  </pc:docChgLst>
+</pc:chgInfo>
 </file>
 
 <file path=ppt/diagrams/colors1.xml><?xml version="1.0" encoding="utf-8"?>
@@ -3164,7 +3259,7 @@
           <a:p>
             <a:fld id="{D88E2461-EAC7-441C-B41D-22260EFF3640}" type="datetimeFigureOut">
               <a:rPr lang="pl-PL" smtClean="0"/>
-              <a:t>08.01.2022</a:t>
+              <a:t>15.12.2022</a:t>
             </a:fld>
             <a:endParaRPr lang="pl-PL"/>
           </a:p>
@@ -3559,188 +3654,6 @@
           <a:bodyPr/>
           <a:lstStyle/>
           <a:p>
-            <a:r>
-              <a:rPr lang="pl-PL" sz="1200" b="1" i="0" u="none" strike="noStrike" kern="1200" baseline="0" dirty="0">
-                <a:solidFill>
-                  <a:schemeClr val="tx1"/>
-                </a:solidFill>
-                <a:latin typeface="+mn-lt"/>
-                <a:ea typeface="+mn-ea"/>
-                <a:cs typeface="+mn-cs"/>
-              </a:rPr>
-              <a:t>Teoria CAP </a:t>
-            </a:r>
-            <a:r>
-              <a:rPr lang="pl-PL" sz="1200" b="0" i="0" u="none" strike="noStrike" kern="1200" baseline="0" dirty="0">
-                <a:solidFill>
-                  <a:schemeClr val="tx1"/>
-                </a:solidFill>
-                <a:latin typeface="+mn-lt"/>
-                <a:ea typeface="+mn-ea"/>
-                <a:cs typeface="+mn-cs"/>
-              </a:rPr>
-              <a:t>jest często w świecie </a:t>
-            </a:r>
-            <a:r>
-              <a:rPr lang="pl-PL" sz="1200" b="0" i="0" u="none" strike="noStrike" kern="1200" baseline="0" dirty="0" err="1">
-                <a:solidFill>
-                  <a:schemeClr val="tx1"/>
-                </a:solidFill>
-                <a:latin typeface="+mn-lt"/>
-                <a:ea typeface="+mn-ea"/>
-                <a:cs typeface="+mn-cs"/>
-              </a:rPr>
-              <a:t>NoSQL</a:t>
-            </a:r>
-            <a:r>
-              <a:rPr lang="pl-PL" sz="1200" b="0" i="0" u="none" strike="noStrike" kern="1200" baseline="0" dirty="0">
-                <a:solidFill>
-                  <a:schemeClr val="tx1"/>
-                </a:solidFill>
-                <a:latin typeface="+mn-lt"/>
-                <a:ea typeface="+mn-ea"/>
-                <a:cs typeface="+mn-cs"/>
-              </a:rPr>
-              <a:t> powodem do rozluźnienia spójności. Teoria ta została</a:t>
-            </a:r>
-          </a:p>
-          <a:p>
-            <a:r>
-              <a:rPr lang="pl-PL" sz="1200" b="0" i="0" u="none" strike="noStrike" kern="1200" baseline="0" dirty="0">
-                <a:solidFill>
-                  <a:schemeClr val="tx1"/>
-                </a:solidFill>
-                <a:latin typeface="+mn-lt"/>
-                <a:ea typeface="+mn-ea"/>
-                <a:cs typeface="+mn-cs"/>
-              </a:rPr>
-              <a:t>przedstawiona przez </a:t>
-            </a:r>
-            <a:r>
-              <a:rPr lang="pl-PL" sz="1200" b="0" i="0" u="none" strike="noStrike" kern="1200" baseline="0" dirty="0" err="1">
-                <a:solidFill>
-                  <a:schemeClr val="tx1"/>
-                </a:solidFill>
-                <a:latin typeface="+mn-lt"/>
-                <a:ea typeface="+mn-ea"/>
-                <a:cs typeface="+mn-cs"/>
-              </a:rPr>
-              <a:t>Erica</a:t>
-            </a:r>
-            <a:r>
-              <a:rPr lang="pl-PL" sz="1200" b="0" i="0" u="none" strike="noStrike" kern="1200" baseline="0" dirty="0">
-                <a:solidFill>
-                  <a:schemeClr val="tx1"/>
-                </a:solidFill>
-                <a:latin typeface="+mn-lt"/>
-                <a:ea typeface="+mn-ea"/>
-                <a:cs typeface="+mn-cs"/>
-              </a:rPr>
-              <a:t> </a:t>
-            </a:r>
-            <a:r>
-              <a:rPr lang="pl-PL" sz="1200" b="0" i="0" u="none" strike="noStrike" kern="1200" baseline="0" dirty="0" err="1">
-                <a:solidFill>
-                  <a:schemeClr val="tx1"/>
-                </a:solidFill>
-                <a:latin typeface="+mn-lt"/>
-                <a:ea typeface="+mn-ea"/>
-                <a:cs typeface="+mn-cs"/>
-              </a:rPr>
-              <a:t>Brewera</a:t>
-            </a:r>
-            <a:r>
-              <a:rPr lang="pl-PL" sz="1200" b="0" i="0" u="none" strike="noStrike" kern="1200" baseline="0" dirty="0">
-                <a:solidFill>
-                  <a:schemeClr val="tx1"/>
-                </a:solidFill>
-                <a:latin typeface="+mn-lt"/>
-                <a:ea typeface="+mn-ea"/>
-                <a:cs typeface="+mn-cs"/>
-              </a:rPr>
-              <a:t> w roku 2000 [</a:t>
-            </a:r>
-            <a:r>
-              <a:rPr lang="pl-PL" sz="1200" b="0" i="0" u="none" strike="noStrike" kern="1200" baseline="0" dirty="0" err="1">
-                <a:solidFill>
-                  <a:schemeClr val="tx1"/>
-                </a:solidFill>
-                <a:latin typeface="+mn-lt"/>
-                <a:ea typeface="+mn-ea"/>
-                <a:cs typeface="+mn-cs"/>
-              </a:rPr>
-              <a:t>Brewer</a:t>
-            </a:r>
-            <a:r>
-              <a:rPr lang="pl-PL" sz="1200" b="0" i="0" u="none" strike="noStrike" kern="1200" baseline="0" dirty="0">
-                <a:solidFill>
-                  <a:schemeClr val="tx1"/>
-                </a:solidFill>
-                <a:latin typeface="+mn-lt"/>
-                <a:ea typeface="+mn-ea"/>
-                <a:cs typeface="+mn-cs"/>
-              </a:rPr>
-              <a:t>], a kilka lat potem </a:t>
-            </a:r>
-            <a:r>
-              <a:rPr lang="pl-PL" sz="1200" b="0" i="0" u="none" strike="noStrike" kern="1200" baseline="0" dirty="0" err="1">
-                <a:solidFill>
-                  <a:schemeClr val="tx1"/>
-                </a:solidFill>
-                <a:latin typeface="+mn-lt"/>
-                <a:ea typeface="+mn-ea"/>
-                <a:cs typeface="+mn-cs"/>
-              </a:rPr>
-              <a:t>Seth</a:t>
-            </a:r>
-            <a:r>
-              <a:rPr lang="pl-PL" sz="1200" b="0" i="0" u="none" strike="noStrike" kern="1200" baseline="0" dirty="0">
-                <a:solidFill>
-                  <a:schemeClr val="tx1"/>
-                </a:solidFill>
-                <a:latin typeface="+mn-lt"/>
-                <a:ea typeface="+mn-ea"/>
-                <a:cs typeface="+mn-cs"/>
-              </a:rPr>
-              <a:t> Gilbert</a:t>
-            </a:r>
-          </a:p>
-          <a:p>
-            <a:r>
-              <a:rPr lang="pl-PL" sz="1200" b="0" i="0" u="none" strike="noStrike" kern="1200" baseline="0" dirty="0">
-                <a:solidFill>
-                  <a:schemeClr val="tx1"/>
-                </a:solidFill>
-                <a:latin typeface="+mn-lt"/>
-                <a:ea typeface="+mn-ea"/>
-                <a:cs typeface="+mn-cs"/>
-              </a:rPr>
-              <a:t>i Nancy Lynch udowodnili jej prawdziwość [Lynch i Gilbert]; teoria jest też znana jako „przypuszczenie</a:t>
-            </a:r>
-          </a:p>
-          <a:p>
-            <a:r>
-              <a:rPr lang="pl-PL" sz="1200" b="0" i="0" u="none" strike="noStrike" kern="1200" baseline="0" dirty="0" err="1">
-                <a:solidFill>
-                  <a:schemeClr val="tx1"/>
-                </a:solidFill>
-                <a:latin typeface="+mn-lt"/>
-                <a:ea typeface="+mn-ea"/>
-                <a:cs typeface="+mn-cs"/>
-              </a:rPr>
-              <a:t>Brewera</a:t>
-            </a:r>
-            <a:r>
-              <a:rPr lang="pl-PL" sz="1200" b="0" i="0" u="none" strike="noStrike" kern="1200" baseline="0" dirty="0">
-                <a:solidFill>
-                  <a:schemeClr val="tx1"/>
-                </a:solidFill>
-                <a:latin typeface="+mn-lt"/>
-                <a:ea typeface="+mn-ea"/>
-                <a:cs typeface="+mn-cs"/>
-              </a:rPr>
-              <a:t>”.</a:t>
-            </a:r>
             <a:endParaRPr lang="pl-PL" dirty="0"/>
           </a:p>
         </p:txBody>
@@ -3771,175 +3684,7 @@
     </p:spTree>
     <p:extLst>
       <p:ext uri="{BB962C8B-B14F-4D97-AF65-F5344CB8AC3E}">
-        <p14:creationId xmlns:p14="http://schemas.microsoft.com/office/powerpoint/2010/main" val="830893661"/>
-      </p:ext>
-    </p:extLst>
-  </p:cSld>
-  <p:clrMapOvr>
-    <a:masterClrMapping/>
-  </p:clrMapOvr>
-</p:notes>
-</file>
-
-<file path=ppt/notesSlides/notesSlide11.xml><?xml version="1.0" encoding="utf-8"?>
-<p:notes xmlns:a="http://schemas.openxmlformats.org/drawingml/2006/main" xmlns:r="http://schemas.openxmlformats.org/officeDocument/2006/relationships" xmlns:p="http://schemas.openxmlformats.org/presentationml/2006/main">
-  <p:cSld>
-    <p:spTree>
-      <p:nvGrpSpPr>
-        <p:cNvPr id="1" name=""/>
-        <p:cNvGrpSpPr/>
-        <p:nvPr/>
-      </p:nvGrpSpPr>
-      <p:grpSpPr>
-        <a:xfrm>
-          <a:off x="0" y="0"/>
-          <a:ext cx="0" cy="0"/>
-          <a:chOff x="0" y="0"/>
-          <a:chExt cx="0" cy="0"/>
-        </a:xfrm>
-      </p:grpSpPr>
-      <p:sp>
-        <p:nvSpPr>
-          <p:cNvPr id="2" name="Symbol zastępczy obrazu slajdu 1"/>
-          <p:cNvSpPr>
-            <a:spLocks noGrp="1" noRot="1" noChangeAspect="1"/>
-          </p:cNvSpPr>
-          <p:nvPr>
-            <p:ph type="sldImg"/>
-          </p:nvPr>
-        </p:nvSpPr>
-        <p:spPr/>
-      </p:sp>
-      <p:sp>
-        <p:nvSpPr>
-          <p:cNvPr id="3" name="Symbol zastępczy notatek 2"/>
-          <p:cNvSpPr>
-            <a:spLocks noGrp="1"/>
-          </p:cNvSpPr>
-          <p:nvPr>
-            <p:ph type="body" idx="1"/>
-          </p:nvPr>
-        </p:nvSpPr>
-        <p:spPr/>
-        <p:txBody>
-          <a:bodyPr/>
-          <a:lstStyle/>
-          <a:p>
-            <a:endParaRPr lang="pl-PL" dirty="0"/>
-          </a:p>
-        </p:txBody>
-      </p:sp>
-      <p:sp>
-        <p:nvSpPr>
-          <p:cNvPr id="4" name="Symbol zastępczy numeru slajdu 3"/>
-          <p:cNvSpPr>
-            <a:spLocks noGrp="1"/>
-          </p:cNvSpPr>
-          <p:nvPr>
-            <p:ph type="sldNum" sz="quarter" idx="5"/>
-          </p:nvPr>
-        </p:nvSpPr>
-        <p:spPr/>
-        <p:txBody>
-          <a:bodyPr/>
-          <a:lstStyle/>
-          <a:p>
-            <a:fld id="{E32E170D-C263-4731-AA1D-6282877CB664}" type="slidenum">
-              <a:rPr lang="pl-PL" smtClean="0"/>
-              <a:t>12</a:t>
-            </a:fld>
-            <a:endParaRPr lang="pl-PL"/>
-          </a:p>
-        </p:txBody>
-      </p:sp>
-    </p:spTree>
-    <p:extLst>
-      <p:ext uri="{BB962C8B-B14F-4D97-AF65-F5344CB8AC3E}">
-        <p14:creationId xmlns:p14="http://schemas.microsoft.com/office/powerpoint/2010/main" val="222018534"/>
-      </p:ext>
-    </p:extLst>
-  </p:cSld>
-  <p:clrMapOvr>
-    <a:masterClrMapping/>
-  </p:clrMapOvr>
-</p:notes>
-</file>
-
-<file path=ppt/notesSlides/notesSlide12.xml><?xml version="1.0" encoding="utf-8"?>
-<p:notes xmlns:a="http://schemas.openxmlformats.org/drawingml/2006/main" xmlns:r="http://schemas.openxmlformats.org/officeDocument/2006/relationships" xmlns:p="http://schemas.openxmlformats.org/presentationml/2006/main">
-  <p:cSld>
-    <p:spTree>
-      <p:nvGrpSpPr>
-        <p:cNvPr id="1" name=""/>
-        <p:cNvGrpSpPr/>
-        <p:nvPr/>
-      </p:nvGrpSpPr>
-      <p:grpSpPr>
-        <a:xfrm>
-          <a:off x="0" y="0"/>
-          <a:ext cx="0" cy="0"/>
-          <a:chOff x="0" y="0"/>
-          <a:chExt cx="0" cy="0"/>
-        </a:xfrm>
-      </p:grpSpPr>
-      <p:sp>
-        <p:nvSpPr>
-          <p:cNvPr id="2" name="Symbol zastępczy obrazu slajdu 1"/>
-          <p:cNvSpPr>
-            <a:spLocks noGrp="1" noRot="1" noChangeAspect="1"/>
-          </p:cNvSpPr>
-          <p:nvPr>
-            <p:ph type="sldImg"/>
-          </p:nvPr>
-        </p:nvSpPr>
-        <p:spPr/>
-      </p:sp>
-      <p:sp>
-        <p:nvSpPr>
-          <p:cNvPr id="3" name="Symbol zastępczy notatek 2"/>
-          <p:cNvSpPr>
-            <a:spLocks noGrp="1"/>
-          </p:cNvSpPr>
-          <p:nvPr>
-            <p:ph type="body" idx="1"/>
-          </p:nvPr>
-        </p:nvSpPr>
-        <p:spPr/>
-        <p:txBody>
-          <a:bodyPr/>
-          <a:lstStyle/>
-          <a:p>
-            <a:endParaRPr lang="pl-PL" dirty="0"/>
-          </a:p>
-        </p:txBody>
-      </p:sp>
-      <p:sp>
-        <p:nvSpPr>
-          <p:cNvPr id="4" name="Symbol zastępczy numeru slajdu 3"/>
-          <p:cNvSpPr>
-            <a:spLocks noGrp="1"/>
-          </p:cNvSpPr>
-          <p:nvPr>
-            <p:ph type="sldNum" sz="quarter" idx="5"/>
-          </p:nvPr>
-        </p:nvSpPr>
-        <p:spPr/>
-        <p:txBody>
-          <a:bodyPr/>
-          <a:lstStyle/>
-          <a:p>
-            <a:fld id="{E32E170D-C263-4731-AA1D-6282877CB664}" type="slidenum">
-              <a:rPr lang="pl-PL" smtClean="0"/>
-              <a:t>13</a:t>
-            </a:fld>
-            <a:endParaRPr lang="pl-PL"/>
-          </a:p>
-        </p:txBody>
-      </p:sp>
-    </p:spTree>
-    <p:extLst>
-      <p:ext uri="{BB962C8B-B14F-4D97-AF65-F5344CB8AC3E}">
-        <p14:creationId xmlns:p14="http://schemas.microsoft.com/office/powerpoint/2010/main" val="3114376716"/>
+        <p14:creationId xmlns:p14="http://schemas.microsoft.com/office/powerpoint/2010/main" val="1713020254"/>
       </p:ext>
     </p:extLst>
   </p:cSld>
@@ -4195,7 +3940,7 @@
     </p:spTree>
     <p:extLst>
       <p:ext uri="{BB962C8B-B14F-4D97-AF65-F5344CB8AC3E}">
-        <p14:creationId xmlns:p14="http://schemas.microsoft.com/office/powerpoint/2010/main" val="2022583860"/>
+        <p14:creationId xmlns:p14="http://schemas.microsoft.com/office/powerpoint/2010/main" val="2476295424"/>
       </p:ext>
     </p:extLst>
   </p:cSld>
@@ -4282,7 +4027,7 @@
     </p:spTree>
     <p:extLst>
       <p:ext uri="{BB962C8B-B14F-4D97-AF65-F5344CB8AC3E}">
-        <p14:creationId xmlns:p14="http://schemas.microsoft.com/office/powerpoint/2010/main" val="514804297"/>
+        <p14:creationId xmlns:p14="http://schemas.microsoft.com/office/powerpoint/2010/main" val="3439606844"/>
       </p:ext>
     </p:extLst>
   </p:cSld>
@@ -4355,7 +4100,7 @@
           <a:bodyPr/>
           <a:lstStyle/>
           <a:p>
-            <a:fld id="{E32E170D-C263-4731-AA1D-6282877CB664}" type="slidenum">
+            <a:fld id="{023F55DF-48CC-48A1-9694-93ADEEA29DA5}" type="slidenum">
               <a:rPr lang="pl-PL" smtClean="0"/>
               <a:t>7</a:t>
             </a:fld>
@@ -4366,7 +4111,7 @@
     </p:spTree>
     <p:extLst>
       <p:ext uri="{BB962C8B-B14F-4D97-AF65-F5344CB8AC3E}">
-        <p14:creationId xmlns:p14="http://schemas.microsoft.com/office/powerpoint/2010/main" val="1713020254"/>
+        <p14:creationId xmlns:p14="http://schemas.microsoft.com/office/powerpoint/2010/main" val="1338950134"/>
       </p:ext>
     </p:extLst>
   </p:cSld>
@@ -4420,9 +4165,6 @@
           <a:bodyPr/>
           <a:lstStyle/>
           <a:p>
-            <a:br>
-              <a:rPr lang="pl-PL" dirty="0"/>
-            </a:br>
             <a:endParaRPr lang="pl-PL" dirty="0"/>
           </a:p>
         </p:txBody>
@@ -4453,7 +4195,7 @@
     </p:spTree>
     <p:extLst>
       <p:ext uri="{BB962C8B-B14F-4D97-AF65-F5344CB8AC3E}">
-        <p14:creationId xmlns:p14="http://schemas.microsoft.com/office/powerpoint/2010/main" val="3439606844"/>
+        <p14:creationId xmlns:p14="http://schemas.microsoft.com/office/powerpoint/2010/main" val="1606500162"/>
       </p:ext>
     </p:extLst>
   </p:cSld>
@@ -4537,7 +4279,7 @@
     </p:spTree>
     <p:extLst>
       <p:ext uri="{BB962C8B-B14F-4D97-AF65-F5344CB8AC3E}">
-        <p14:creationId xmlns:p14="http://schemas.microsoft.com/office/powerpoint/2010/main" val="1338950134"/>
+        <p14:creationId xmlns:p14="http://schemas.microsoft.com/office/powerpoint/2010/main" val="2022583860"/>
       </p:ext>
     </p:extLst>
   </p:cSld>
@@ -4591,6 +4333,9 @@
           <a:bodyPr/>
           <a:lstStyle/>
           <a:p>
+            <a:br>
+              <a:rPr lang="pl-PL" dirty="0"/>
+            </a:br>
             <a:endParaRPr lang="pl-PL" dirty="0"/>
           </a:p>
         </p:txBody>
@@ -4621,7 +4366,7 @@
     </p:spTree>
     <p:extLst>
       <p:ext uri="{BB962C8B-B14F-4D97-AF65-F5344CB8AC3E}">
-        <p14:creationId xmlns:p14="http://schemas.microsoft.com/office/powerpoint/2010/main" val="1606500162"/>
+        <p14:creationId xmlns:p14="http://schemas.microsoft.com/office/powerpoint/2010/main" val="514804297"/>
       </p:ext>
     </p:extLst>
   </p:cSld>
@@ -4823,7 +4568,7 @@
             <a:fld id="{B61BEF0D-F0BB-DE4B-95CE-6DB70DBA9567}" type="datetimeFigureOut">
               <a:rPr lang="en-US" dirty="0"/>
               <a:pPr/>
-              <a:t>1/8/2022</a:t>
+              <a:t>12/15/2022</a:t>
             </a:fld>
             <a:endParaRPr lang="en-US" dirty="0"/>
           </a:p>
@@ -5256,7 +5001,7 @@
             <a:fld id="{B61BEF0D-F0BB-DE4B-95CE-6DB70DBA9567}" type="datetimeFigureOut">
               <a:rPr lang="en-US" dirty="0"/>
               <a:pPr/>
-              <a:t>1/8/2022</a:t>
+              <a:t>12/15/2022</a:t>
             </a:fld>
             <a:endParaRPr lang="en-US" dirty="0"/>
           </a:p>
@@ -5503,7 +5248,7 @@
             <a:fld id="{B61BEF0D-F0BB-DE4B-95CE-6DB70DBA9567}" type="datetimeFigureOut">
               <a:rPr lang="en-US" dirty="0"/>
               <a:pPr/>
-              <a:t>1/8/2022</a:t>
+              <a:t>12/15/2022</a:t>
             </a:fld>
             <a:endParaRPr lang="en-US" dirty="0"/>
           </a:p>
@@ -5808,7 +5553,7 @@
             <a:fld id="{B61BEF0D-F0BB-DE4B-95CE-6DB70DBA9567}" type="datetimeFigureOut">
               <a:rPr lang="en-US" dirty="0"/>
               <a:pPr/>
-              <a:t>1/8/2022</a:t>
+              <a:t>12/15/2022</a:t>
             </a:fld>
             <a:endParaRPr lang="en-US" dirty="0"/>
           </a:p>
@@ -6123,7 +5868,7 @@
             <a:fld id="{B61BEF0D-F0BB-DE4B-95CE-6DB70DBA9567}" type="datetimeFigureOut">
               <a:rPr lang="en-US" dirty="0"/>
               <a:pPr/>
-              <a:t>1/8/2022</a:t>
+              <a:t>12/15/2022</a:t>
             </a:fld>
             <a:endParaRPr lang="en-US" dirty="0"/>
           </a:p>
@@ -6422,7 +6167,7 @@
             <a:fld id="{B61BEF0D-F0BB-DE4B-95CE-6DB70DBA9567}" type="datetimeFigureOut">
               <a:rPr lang="en-US" dirty="0"/>
               <a:pPr/>
-              <a:t>1/8/2022</a:t>
+              <a:t>12/15/2022</a:t>
             </a:fld>
             <a:endParaRPr lang="en-US" dirty="0"/>
           </a:p>
@@ -6786,7 +6531,7 @@
             <a:fld id="{B61BEF0D-F0BB-DE4B-95CE-6DB70DBA9567}" type="datetimeFigureOut">
               <a:rPr lang="en-US" dirty="0"/>
               <a:pPr/>
-              <a:t>1/8/2022</a:t>
+              <a:t>12/15/2022</a:t>
             </a:fld>
             <a:endParaRPr lang="en-US" dirty="0"/>
           </a:p>
@@ -6957,7 +6702,7 @@
             <a:fld id="{B61BEF0D-F0BB-DE4B-95CE-6DB70DBA9567}" type="datetimeFigureOut">
               <a:rPr lang="en-US" dirty="0"/>
               <a:pPr/>
-              <a:t>1/8/2022</a:t>
+              <a:t>12/15/2022</a:t>
             </a:fld>
             <a:endParaRPr lang="en-US" dirty="0"/>
           </a:p>
@@ -7134,7 +6879,7 @@
             <a:fld id="{B61BEF0D-F0BB-DE4B-95CE-6DB70DBA9567}" type="datetimeFigureOut">
               <a:rPr lang="en-US" dirty="0"/>
               <a:pPr/>
-              <a:t>1/8/2022</a:t>
+              <a:t>12/15/2022</a:t>
             </a:fld>
             <a:endParaRPr lang="en-US" dirty="0"/>
           </a:p>
@@ -7301,7 +7046,7 @@
             <a:fld id="{B61BEF0D-F0BB-DE4B-95CE-6DB70DBA9567}" type="datetimeFigureOut">
               <a:rPr lang="en-US" dirty="0"/>
               <a:pPr/>
-              <a:t>1/8/2022</a:t>
+              <a:t>12/15/2022</a:t>
             </a:fld>
             <a:endParaRPr lang="en-US" dirty="0"/>
           </a:p>
@@ -7548,7 +7293,7 @@
             <a:fld id="{B61BEF0D-F0BB-DE4B-95CE-6DB70DBA9567}" type="datetimeFigureOut">
               <a:rPr lang="en-US" dirty="0"/>
               <a:pPr/>
-              <a:t>1/8/2022</a:t>
+              <a:t>12/15/2022</a:t>
             </a:fld>
             <a:endParaRPr lang="en-US" dirty="0"/>
           </a:p>
@@ -7781,7 +7526,7 @@
             <a:fld id="{B61BEF0D-F0BB-DE4B-95CE-6DB70DBA9567}" type="datetimeFigureOut">
               <a:rPr lang="en-US" dirty="0"/>
               <a:pPr/>
-              <a:t>1/8/2022</a:t>
+              <a:t>12/15/2022</a:t>
             </a:fld>
             <a:endParaRPr lang="en-US" dirty="0"/>
           </a:p>
@@ -8160,7 +7905,7 @@
             <a:fld id="{B61BEF0D-F0BB-DE4B-95CE-6DB70DBA9567}" type="datetimeFigureOut">
               <a:rPr lang="en-US" dirty="0"/>
               <a:pPr/>
-              <a:t>1/8/2022</a:t>
+              <a:t>12/15/2022</a:t>
             </a:fld>
             <a:endParaRPr lang="en-US" dirty="0"/>
           </a:p>
@@ -8275,7 +8020,7 @@
             <a:fld id="{B61BEF0D-F0BB-DE4B-95CE-6DB70DBA9567}" type="datetimeFigureOut">
               <a:rPr lang="en-US" dirty="0"/>
               <a:pPr/>
-              <a:t>1/8/2022</a:t>
+              <a:t>12/15/2022</a:t>
             </a:fld>
             <a:endParaRPr lang="en-US" dirty="0"/>
           </a:p>
@@ -8367,7 +8112,7 @@
             <a:fld id="{B61BEF0D-F0BB-DE4B-95CE-6DB70DBA9567}" type="datetimeFigureOut">
               <a:rPr lang="en-US" dirty="0"/>
               <a:pPr/>
-              <a:t>1/8/2022</a:t>
+              <a:t>12/15/2022</a:t>
             </a:fld>
             <a:endParaRPr lang="en-US" dirty="0"/>
           </a:p>
@@ -8619,7 +8364,7 @@
             <a:fld id="{B61BEF0D-F0BB-DE4B-95CE-6DB70DBA9567}" type="datetimeFigureOut">
               <a:rPr lang="en-US" dirty="0"/>
               <a:pPr/>
-              <a:t>1/8/2022</a:t>
+              <a:t>12/15/2022</a:t>
             </a:fld>
             <a:endParaRPr lang="en-US" dirty="0"/>
           </a:p>
@@ -8899,7 +8644,7 @@
             <a:fld id="{B61BEF0D-F0BB-DE4B-95CE-6DB70DBA9567}" type="datetimeFigureOut">
               <a:rPr lang="en-US" dirty="0"/>
               <a:pPr/>
-              <a:t>1/8/2022</a:t>
+              <a:t>12/15/2022</a:t>
             </a:fld>
             <a:endParaRPr lang="en-US" dirty="0"/>
           </a:p>
@@ -9302,7 +9047,7 @@
             <a:fld id="{B61BEF0D-F0BB-DE4B-95CE-6DB70DBA9567}" type="datetimeFigureOut">
               <a:rPr lang="en-US" dirty="0"/>
               <a:pPr/>
-              <a:t>1/8/2022</a:t>
+              <a:t>12/15/2022</a:t>
             </a:fld>
             <a:endParaRPr lang="en-US" dirty="0"/>
           </a:p>
@@ -9911,31 +9656,6 @@
 <file path=ppt/slides/slide10.xml><?xml version="1.0" encoding="utf-8"?>
 <p:sld xmlns:a="http://schemas.openxmlformats.org/drawingml/2006/main" xmlns:r="http://schemas.openxmlformats.org/officeDocument/2006/relationships" xmlns:p="http://schemas.openxmlformats.org/presentationml/2006/main">
   <p:cSld>
-    <p:bg>
-      <p:bgPr>
-        <a:gradFill rotWithShape="1">
-          <a:gsLst>
-            <a:gs pos="10000">
-              <a:schemeClr val="bg2">
-                <a:tint val="97000"/>
-                <a:hueMod val="92000"/>
-                <a:satMod val="169000"/>
-                <a:lumMod val="164000"/>
-              </a:schemeClr>
-            </a:gs>
-            <a:gs pos="100000">
-              <a:schemeClr val="bg2">
-                <a:shade val="96000"/>
-                <a:satMod val="120000"/>
-                <a:lumMod val="90000"/>
-              </a:schemeClr>
-            </a:gs>
-          </a:gsLst>
-          <a:lin ang="6120000" scaled="1"/>
-        </a:gradFill>
-        <a:effectLst/>
-      </p:bgPr>
-    </p:bg>
     <p:spTree>
       <p:nvGrpSpPr>
         <p:cNvPr id="1" name=""/>
@@ -9955,7 +9675,7 @@
           <p:cNvPr id="2" name="Tytuł 1">
             <a:extLst>
               <a:ext uri="{FF2B5EF4-FFF2-40B4-BE49-F238E27FC236}">
-                <a16:creationId xmlns:a16="http://schemas.microsoft.com/office/drawing/2014/main" id="{29F3D93C-C9B5-47D3-A818-66B49571FC34}"/>
+                <a16:creationId xmlns:a16="http://schemas.microsoft.com/office/drawing/2014/main" id="{A0EC10F1-ADA1-43E5-8D6C-47B44FAAC75F}"/>
               </a:ext>
             </a:extLst>
           </p:cNvPr>
@@ -9979,23 +9699,92 @@
           <a:lstStyle/>
           <a:p>
             <a:r>
-              <a:rPr lang="pl-PL" dirty="0"/>
-              <a:t>Peer-to-</a:t>
-            </a:r>
-            <a:r>
-              <a:rPr lang="pl-PL" dirty="0" err="1"/>
-              <a:t>peer</a:t>
-            </a:r>
-            <a:endParaRPr lang="pl-PL" dirty="0"/>
+              <a:rPr lang="en-US" dirty="0"/>
+              <a:t>SHARDING </a:t>
+            </a:r>
+            <a:br>
+              <a:rPr lang="en-US" dirty="0"/>
+            </a:br>
+            <a:r>
+              <a:rPr lang="en-US" sz="2800" dirty="0"/>
+              <a:t>MEMCACHED </a:t>
+            </a:r>
+            <a:r>
+              <a:rPr lang="en-US" sz="2800" dirty="0" err="1"/>
+              <a:t>i</a:t>
+            </a:r>
+            <a:r>
+              <a:rPr lang="en-US" sz="2800" dirty="0"/>
+              <a:t> REPLIKACJA </a:t>
+            </a:r>
+            <a:endParaRPr lang="pl-PL" sz="2800" dirty="0"/>
+          </a:p>
+        </p:txBody>
+      </p:sp>
+      <p:sp>
+        <p:nvSpPr>
+          <p:cNvPr id="8" name="AutoShape 3">
+            <a:extLst>
+              <a:ext uri="{FF2B5EF4-FFF2-40B4-BE49-F238E27FC236}">
+                <a16:creationId xmlns:a16="http://schemas.microsoft.com/office/drawing/2014/main" id="{1ABAA4E1-28CB-4CF7-9568-738543F7BF1D}"/>
+              </a:ext>
+            </a:extLst>
+          </p:cNvPr>
+          <p:cNvSpPr>
+            <a:spLocks noChangeAspect="1" noChangeArrowheads="1" noTextEdit="1"/>
+          </p:cNvSpPr>
+          <p:nvPr/>
+        </p:nvSpPr>
+        <p:spPr bwMode="auto">
+          <a:xfrm>
+            <a:off x="790575" y="777875"/>
+            <a:ext cx="5305425" cy="3487738"/>
+          </a:xfrm>
+          <a:prstGeom prst="rect">
+            <a:avLst/>
+          </a:prstGeom>
+          <a:noFill/>
+          <a:ln>
+            <a:noFill/>
+          </a:ln>
+          <a:extLst>
+            <a:ext uri="{909E8E84-426E-40DD-AFC4-6F175D3DCCD1}">
+              <a14:hiddenFill xmlns:a14="http://schemas.microsoft.com/office/drawing/2010/main">
+                <a:solidFill>
+                  <a:srgbClr val="FFFFFF"/>
+                </a:solidFill>
+              </a14:hiddenFill>
+            </a:ext>
+            <a:ext uri="{91240B29-F687-4F45-9708-019B960494DF}">
+              <a14:hiddenLine xmlns:a14="http://schemas.microsoft.com/office/drawing/2010/main" w="9525">
+                <a:solidFill>
+                  <a:srgbClr val="000000"/>
+                </a:solidFill>
+                <a:miter lim="800000"/>
+                <a:headEnd/>
+                <a:tailEnd/>
+              </a14:hiddenLine>
+            </a:ext>
+          </a:extLst>
+        </p:spPr>
+        <p:txBody>
+          <a:bodyPr vert="horz" wrap="square" lIns="91440" tIns="45720" rIns="91440" bIns="45720" numCol="1" anchor="t" anchorCtr="0" compatLnSpc="1">
+            <a:prstTxWarp prst="textNoShape">
+              <a:avLst/>
+            </a:prstTxWarp>
+          </a:bodyPr>
+          <a:lstStyle/>
+          <a:p>
+            <a:endParaRPr lang="en-US"/>
           </a:p>
         </p:txBody>
       </p:sp>
       <p:pic>
         <p:nvPicPr>
-          <p:cNvPr id="4" name="Obraz 3" descr="Obraz zawierający zegar, znak&#10;&#10;Opis wygenerowany automatycznie">
+          <p:cNvPr id="10" name="Picture 9" descr="Diagram, engineering drawing&#10;&#10;Description automatically generated">
             <a:extLst>
               <a:ext uri="{FF2B5EF4-FFF2-40B4-BE49-F238E27FC236}">
-                <a16:creationId xmlns:a16="http://schemas.microsoft.com/office/drawing/2014/main" id="{DEB1EB37-D919-4347-AF17-D4D8B563F681}"/>
+                <a16:creationId xmlns:a16="http://schemas.microsoft.com/office/drawing/2014/main" id="{DB26545C-41F2-42C0-8B32-ADF6EAE70074}"/>
               </a:ext>
             </a:extLst>
           </p:cNvPr>
@@ -10012,27 +9801,20 @@
         </p:blipFill>
         <p:spPr>
           <a:xfrm>
-            <a:off x="684212" y="822548"/>
-            <a:ext cx="3193436" cy="3575884"/>
+            <a:off x="684212" y="329916"/>
+            <a:ext cx="7277100" cy="4081504"/>
           </a:xfrm>
           <a:prstGeom prst="rect">
             <a:avLst/>
           </a:prstGeom>
-          <a:effectLst>
-            <a:innerShdw blurRad="57150" dist="38100" dir="14460000">
-              <a:prstClr val="black">
-                <a:alpha val="70000"/>
-              </a:prstClr>
-            </a:innerShdw>
-          </a:effectLst>
         </p:spPr>
       </p:pic>
       <p:sp>
         <p:nvSpPr>
-          <p:cNvPr id="3" name="Symbol zastępczy zawartości 2">
+          <p:cNvPr id="5" name="Symbol zastępczy zawartości 2">
             <a:extLst>
               <a:ext uri="{FF2B5EF4-FFF2-40B4-BE49-F238E27FC236}">
-                <a16:creationId xmlns:a16="http://schemas.microsoft.com/office/drawing/2014/main" id="{3767C678-46A4-4F1B-AACD-8B9059FE9A4C}"/>
+                <a16:creationId xmlns:a16="http://schemas.microsoft.com/office/drawing/2014/main" id="{D1FD0C1A-05FF-450F-B421-EB4B68B21915}"/>
               </a:ext>
             </a:extLst>
           </p:cNvPr>
@@ -10045,8 +9827,8 @@
         </p:nvSpPr>
         <p:spPr>
           <a:xfrm>
-            <a:off x="5103991" y="822548"/>
-            <a:ext cx="4419171" cy="3575884"/>
+            <a:off x="8471647" y="-2054"/>
+            <a:ext cx="3159872" cy="3575884"/>
           </a:xfrm>
         </p:spPr>
         <p:txBody>
@@ -10064,18 +9846,15 @@
                   <a:schemeClr val="tx1"/>
                 </a:solidFill>
               </a:rPr>
-              <a:t>Technika łączenia serwerów w którym każdy jest serwerem równorzędnym</a:t>
-            </a:r>
-          </a:p>
-          <a:p>
-            <a:endParaRPr lang="pl-PL" dirty="0"/>
+              <a:t>Technika polegająca rozdzieleniu danych na różne bazy</a:t>
+            </a:r>
           </a:p>
         </p:txBody>
       </p:sp>
     </p:spTree>
     <p:extLst>
       <p:ext uri="{BB962C8B-B14F-4D97-AF65-F5344CB8AC3E}">
-        <p14:creationId xmlns:p14="http://schemas.microsoft.com/office/powerpoint/2010/main" val="4262502946"/>
+        <p14:creationId xmlns:p14="http://schemas.microsoft.com/office/powerpoint/2010/main" val="1111550937"/>
       </p:ext>
     </p:extLst>
   </p:cSld>
@@ -10107,103 +9886,6 @@
           <p:cNvPr id="2" name="Tytuł 1">
             <a:extLst>
               <a:ext uri="{FF2B5EF4-FFF2-40B4-BE49-F238E27FC236}">
-                <a16:creationId xmlns:a16="http://schemas.microsoft.com/office/drawing/2014/main" id="{D4FE87CA-CBA9-4F2C-B7B0-EA03C66C75C1}"/>
-              </a:ext>
-            </a:extLst>
-          </p:cNvPr>
-          <p:cNvSpPr>
-            <a:spLocks noGrp="1"/>
-          </p:cNvSpPr>
-          <p:nvPr>
-            <p:ph type="title"/>
-          </p:nvPr>
-        </p:nvSpPr>
-        <p:spPr>
-          <a:xfrm>
-            <a:off x="665640" y="4414687"/>
-            <a:ext cx="10250013" cy="1233251"/>
-          </a:xfrm>
-        </p:spPr>
-        <p:txBody>
-          <a:bodyPr vert="horz" lIns="91440" tIns="45720" rIns="91440" bIns="45720" rtlCol="0" anchor="b">
-            <a:normAutofit/>
-          </a:bodyPr>
-          <a:lstStyle/>
-          <a:p>
-            <a:r>
-              <a:rPr lang="en-US" sz="4800">
-                <a:solidFill>
-                  <a:srgbClr val="FFFFFF"/>
-                </a:solidFill>
-              </a:rPr>
-              <a:t>TEORIA CAP</a:t>
-            </a:r>
-          </a:p>
-        </p:txBody>
-      </p:sp>
-      <p:pic>
-        <p:nvPicPr>
-          <p:cNvPr id="5" name="Symbol zastępczy zawartości 4">
-            <a:extLst>
-              <a:ext uri="{FF2B5EF4-FFF2-40B4-BE49-F238E27FC236}">
-                <a16:creationId xmlns:a16="http://schemas.microsoft.com/office/drawing/2014/main" id="{5125B4F6-0DB1-4AF8-AF14-912D651F95BD}"/>
-              </a:ext>
-            </a:extLst>
-          </p:cNvPr>
-          <p:cNvPicPr>
-            <a:picLocks noChangeAspect="1"/>
-          </p:cNvPicPr>
-          <p:nvPr/>
-        </p:nvPicPr>
-        <p:blipFill rotWithShape="1">
-          <a:blip r:embed="rId3"/>
-          <a:stretch/>
-        </p:blipFill>
-        <p:spPr>
-          <a:xfrm>
-            <a:off x="-21078" y="-34415"/>
-            <a:ext cx="12253181" cy="6892415"/>
-          </a:xfrm>
-          <a:prstGeom prst="rect">
-            <a:avLst/>
-          </a:prstGeom>
-        </p:spPr>
-      </p:pic>
-    </p:spTree>
-    <p:extLst>
-      <p:ext uri="{BB962C8B-B14F-4D97-AF65-F5344CB8AC3E}">
-        <p14:creationId xmlns:p14="http://schemas.microsoft.com/office/powerpoint/2010/main" val="2448902465"/>
-      </p:ext>
-    </p:extLst>
-  </p:cSld>
-  <p:clrMapOvr>
-    <a:masterClrMapping/>
-  </p:clrMapOvr>
-</p:sld>
-</file>
-
-<file path=ppt/slides/slide12.xml><?xml version="1.0" encoding="utf-8"?>
-<p:sld xmlns:a="http://schemas.openxmlformats.org/drawingml/2006/main" xmlns:r="http://schemas.openxmlformats.org/officeDocument/2006/relationships" xmlns:p="http://schemas.openxmlformats.org/presentationml/2006/main">
-  <p:cSld>
-    <p:spTree>
-      <p:nvGrpSpPr>
-        <p:cNvPr id="1" name=""/>
-        <p:cNvGrpSpPr/>
-        <p:nvPr/>
-      </p:nvGrpSpPr>
-      <p:grpSpPr>
-        <a:xfrm>
-          <a:off x="0" y="0"/>
-          <a:ext cx="0" cy="0"/>
-          <a:chOff x="0" y="0"/>
-          <a:chExt cx="0" cy="0"/>
-        </a:xfrm>
-      </p:grpSpPr>
-      <p:sp>
-        <p:nvSpPr>
-          <p:cNvPr id="2" name="Tytuł 1">
-            <a:extLst>
-              <a:ext uri="{FF2B5EF4-FFF2-40B4-BE49-F238E27FC236}">
                 <a16:creationId xmlns:a16="http://schemas.microsoft.com/office/drawing/2014/main" id="{4B49C389-72C6-4CA2-A110-7525192FABAE}"/>
               </a:ext>
             </a:extLst>
@@ -10217,8 +9899,8 @@
         </p:nvSpPr>
         <p:spPr>
           <a:xfrm>
-            <a:off x="1111357" y="5489262"/>
-            <a:ext cx="7588889" cy="839821"/>
+            <a:off x="748286" y="5181599"/>
+            <a:ext cx="8707922" cy="839821"/>
           </a:xfrm>
         </p:spPr>
         <p:txBody>
@@ -10233,22 +9915,22 @@
                   <a:srgbClr val="FFFFFF"/>
                 </a:solidFill>
               </a:rPr>
-              <a:t>Teoria CAP</a:t>
+              <a:t>SHARDING</a:t>
             </a:r>
             <a:br>
-              <a:rPr lang="en-US" sz="4000" dirty="0">
+              <a:rPr lang="en-US" sz="3200" dirty="0">
                 <a:solidFill>
                   <a:srgbClr val="FFFFFF"/>
                 </a:solidFill>
               </a:rPr>
             </a:br>
             <a:r>
-              <a:rPr lang="en-US" sz="3100" dirty="0" err="1">
+              <a:rPr lang="en-US" sz="3100" dirty="0">
                 <a:solidFill>
                   <a:srgbClr val="FFFFFF"/>
                 </a:solidFill>
               </a:rPr>
-              <a:t>przykład</a:t>
+              <a:t>WADY</a:t>
             </a:r>
             <a:endParaRPr lang="pl-PL" sz="3100" dirty="0">
               <a:solidFill>
@@ -10258,142 +9940,41 @@
           </a:p>
         </p:txBody>
       </p:sp>
-      <p:pic>
-        <p:nvPicPr>
-          <p:cNvPr id="7" name="Content Placeholder 6" descr="Diagram&#10;&#10;Description automatically generated">
+      <p:graphicFrame>
+        <p:nvGraphicFramePr>
+          <p:cNvPr id="7" name="Symbol zastępczy zawartości 2">
             <a:extLst>
               <a:ext uri="{FF2B5EF4-FFF2-40B4-BE49-F238E27FC236}">
-                <a16:creationId xmlns:a16="http://schemas.microsoft.com/office/drawing/2014/main" id="{C1C07B12-360D-444C-81A2-076F01D0B617}"/>
+                <a16:creationId xmlns:a16="http://schemas.microsoft.com/office/drawing/2014/main" id="{0455C796-275E-4CA1-A47D-80E4CF19448C}"/>
               </a:ext>
             </a:extLst>
           </p:cNvPr>
-          <p:cNvPicPr>
-            <a:picLocks noGrp="1" noChangeAspect="1"/>
-          </p:cNvPicPr>
+          <p:cNvGraphicFramePr>
+            <a:graphicFrameLocks noGrp="1"/>
+          </p:cNvGraphicFramePr>
           <p:nvPr>
             <p:ph idx="1"/>
-          </p:nvPr>
-        </p:nvPicPr>
-        <p:blipFill>
-          <a:blip r:embed="rId3"/>
-          <a:stretch>
-            <a:fillRect/>
-          </a:stretch>
-        </p:blipFill>
-        <p:spPr>
-          <a:xfrm>
-            <a:off x="1111357" y="354105"/>
-            <a:ext cx="8118974" cy="4453134"/>
-          </a:xfrm>
-        </p:spPr>
-      </p:pic>
+            <p:extLst>
+              <p:ext uri="{D42A27DB-BD31-4B8C-83A1-F6EECF244321}">
+                <p14:modId xmlns:p14="http://schemas.microsoft.com/office/powerpoint/2010/main" val="1803211052"/>
+              </p:ext>
+            </p:extLst>
+          </p:nvPr>
+        </p:nvGraphicFramePr>
+        <p:xfrm>
+          <a:off x="1098550" y="1096964"/>
+          <a:ext cx="8991114" cy="3630680"/>
+        </p:xfrm>
+        <a:graphic>
+          <a:graphicData uri="http://schemas.openxmlformats.org/drawingml/2006/diagram">
+            <dgm:relIds xmlns:dgm="http://schemas.openxmlformats.org/drawingml/2006/diagram" xmlns:r="http://schemas.openxmlformats.org/officeDocument/2006/relationships" r:dm="rId3" r:lo="rId4" r:qs="rId5" r:cs="rId6"/>
+          </a:graphicData>
+        </a:graphic>
+      </p:graphicFrame>
     </p:spTree>
     <p:extLst>
       <p:ext uri="{BB962C8B-B14F-4D97-AF65-F5344CB8AC3E}">
-        <p14:creationId xmlns:p14="http://schemas.microsoft.com/office/powerpoint/2010/main" val="1268615317"/>
-      </p:ext>
-    </p:extLst>
-  </p:cSld>
-  <p:clrMapOvr>
-    <a:masterClrMapping/>
-  </p:clrMapOvr>
-</p:sld>
-</file>
-
-<file path=ppt/slides/slide13.xml><?xml version="1.0" encoding="utf-8"?>
-<p:sld xmlns:a="http://schemas.openxmlformats.org/drawingml/2006/main" xmlns:r="http://schemas.openxmlformats.org/officeDocument/2006/relationships" xmlns:p="http://schemas.openxmlformats.org/presentationml/2006/main">
-  <p:cSld>
-    <p:spTree>
-      <p:nvGrpSpPr>
-        <p:cNvPr id="1" name=""/>
-        <p:cNvGrpSpPr/>
-        <p:nvPr/>
-      </p:nvGrpSpPr>
-      <p:grpSpPr>
-        <a:xfrm>
-          <a:off x="0" y="0"/>
-          <a:ext cx="0" cy="0"/>
-          <a:chOff x="0" y="0"/>
-          <a:chExt cx="0" cy="0"/>
-        </a:xfrm>
-      </p:grpSpPr>
-      <p:sp>
-        <p:nvSpPr>
-          <p:cNvPr id="2" name="Tytuł 1">
-            <a:extLst>
-              <a:ext uri="{FF2B5EF4-FFF2-40B4-BE49-F238E27FC236}">
-                <a16:creationId xmlns:a16="http://schemas.microsoft.com/office/drawing/2014/main" id="{4B49C389-72C6-4CA2-A110-7525192FABAE}"/>
-              </a:ext>
-            </a:extLst>
-          </p:cNvPr>
-          <p:cNvSpPr>
-            <a:spLocks noGrp="1"/>
-          </p:cNvSpPr>
-          <p:nvPr>
-            <p:ph type="title"/>
-          </p:nvPr>
-        </p:nvSpPr>
-        <p:spPr>
-          <a:xfrm>
-            <a:off x="7807992" y="313764"/>
-            <a:ext cx="4765008" cy="839821"/>
-          </a:xfrm>
-        </p:spPr>
-        <p:txBody>
-          <a:bodyPr anchor="b">
-            <a:normAutofit/>
-          </a:bodyPr>
-          <a:lstStyle/>
-          <a:p>
-            <a:r>
-              <a:rPr lang="en-US" sz="4000" dirty="0">
-                <a:solidFill>
-                  <a:srgbClr val="FFFFFF"/>
-                </a:solidFill>
-              </a:rPr>
-              <a:t>Teoria CAP</a:t>
-            </a:r>
-            <a:endParaRPr lang="pl-PL" sz="3100" dirty="0">
-              <a:solidFill>
-                <a:srgbClr val="FFFFFF"/>
-              </a:solidFill>
-            </a:endParaRPr>
-          </a:p>
-        </p:txBody>
-      </p:sp>
-      <p:pic>
-        <p:nvPicPr>
-          <p:cNvPr id="6" name="Content Placeholder 5" descr="Diagram, venn diagram&#10;&#10;Description automatically generated">
-            <a:extLst>
-              <a:ext uri="{FF2B5EF4-FFF2-40B4-BE49-F238E27FC236}">
-                <a16:creationId xmlns:a16="http://schemas.microsoft.com/office/drawing/2014/main" id="{0334AFA7-064E-4A40-9753-05E06C897FAD}"/>
-              </a:ext>
-            </a:extLst>
-          </p:cNvPr>
-          <p:cNvPicPr>
-            <a:picLocks noGrp="1" noChangeAspect="1"/>
-          </p:cNvPicPr>
-          <p:nvPr>
-            <p:ph idx="1"/>
-          </p:nvPr>
-        </p:nvPicPr>
-        <p:blipFill>
-          <a:blip r:embed="rId3"/>
-          <a:stretch>
-            <a:fillRect/>
-          </a:stretch>
-        </p:blipFill>
-        <p:spPr>
-          <a:xfrm>
-            <a:off x="530246" y="417146"/>
-            <a:ext cx="6563770" cy="5671509"/>
-          </a:xfrm>
-        </p:spPr>
-      </p:pic>
-    </p:spTree>
-    <p:extLst>
-      <p:ext uri="{BB962C8B-B14F-4D97-AF65-F5344CB8AC3E}">
-        <p14:creationId xmlns:p14="http://schemas.microsoft.com/office/powerpoint/2010/main" val="2956098321"/>
+        <p14:creationId xmlns:p14="http://schemas.microsoft.com/office/powerpoint/2010/main" val="3978320005"/>
       </p:ext>
     </p:extLst>
   </p:cSld>
@@ -10770,7 +10351,7 @@
           <p:cNvPr id="2" name="Tytuł 1">
             <a:extLst>
               <a:ext uri="{FF2B5EF4-FFF2-40B4-BE49-F238E27FC236}">
-                <a16:creationId xmlns:a16="http://schemas.microsoft.com/office/drawing/2014/main" id="{A1E96F18-1C9E-4B67-AC52-2C9444AF86EF}"/>
+                <a16:creationId xmlns:a16="http://schemas.microsoft.com/office/drawing/2014/main" id="{AA49CA30-BCD6-41DB-9D27-14A1E199F2A4}"/>
               </a:ext>
             </a:extLst>
           </p:cNvPr>
@@ -10788,52 +10369,64 @@
           <a:p>
             <a:r>
               <a:rPr lang="pl-PL" dirty="0"/>
-              <a:t>Skalowanie Horyzontalne</a:t>
-            </a:r>
-            <a:br>
-              <a:rPr lang="en-US" dirty="0"/>
-            </a:br>
-            <a:r>
-              <a:rPr lang="en-US" sz="2400" dirty="0"/>
-              <a:t>MEMCACHED I REPLIKACJA</a:t>
-            </a:r>
-            <a:endParaRPr lang="pl-PL" sz="2400" dirty="0"/>
-          </a:p>
-        </p:txBody>
-      </p:sp>
-      <p:pic>
-        <p:nvPicPr>
-          <p:cNvPr id="8" name="Content Placeholder 7" descr="Diagram&#10;&#10;Description automatically generated">
+              <a:t>Skalowanie BAZ DANYCH</a:t>
+            </a:r>
+          </a:p>
+        </p:txBody>
+      </p:sp>
+      <p:sp>
+        <p:nvSpPr>
+          <p:cNvPr id="6" name="Symbol zastępczy zawartości 5">
             <a:extLst>
               <a:ext uri="{FF2B5EF4-FFF2-40B4-BE49-F238E27FC236}">
-                <a16:creationId xmlns:a16="http://schemas.microsoft.com/office/drawing/2014/main" id="{4D88E602-CC8A-4F22-8B7E-33046D9BAAF9}"/>
+                <a16:creationId xmlns:a16="http://schemas.microsoft.com/office/drawing/2014/main" id="{9A6D90D8-1B7F-4F93-99C4-CD64E1EDCEDB}"/>
               </a:ext>
             </a:extLst>
           </p:cNvPr>
-          <p:cNvPicPr>
-            <a:picLocks noGrp="1" noChangeAspect="1"/>
-          </p:cNvPicPr>
+          <p:cNvSpPr>
+            <a:spLocks noGrp="1"/>
+          </p:cNvSpPr>
           <p:nvPr>
             <p:ph idx="1"/>
           </p:nvPr>
-        </p:nvPicPr>
-        <p:blipFill>
-          <a:blip r:embed="rId3"/>
-          <a:stretch>
-            <a:fillRect/>
-          </a:stretch>
-        </p:blipFill>
-        <p:spPr>
-          <a:xfrm>
-            <a:off x="684212" y="527799"/>
-            <a:ext cx="7055250" cy="3936625"/>
-          </a:xfrm>
-        </p:spPr>
-      </p:pic>
+        </p:nvSpPr>
+        <p:spPr/>
+        <p:txBody>
+          <a:bodyPr/>
+          <a:lstStyle/>
+          <a:p>
+            <a:r>
+              <a:rPr lang="pl-PL" dirty="0">
+                <a:solidFill>
+                  <a:schemeClr val="tx1"/>
+                </a:solidFill>
+              </a:rPr>
+              <a:t>Replikacja</a:t>
+            </a:r>
+          </a:p>
+          <a:p>
+            <a:pPr>
+              <a:buClr>
+                <a:srgbClr val="FFFFFF"/>
+              </a:buClr>
+            </a:pPr>
+            <a:r>
+              <a:rPr lang="pl-PL" dirty="0" err="1">
+                <a:solidFill>
+                  <a:schemeClr val="tx1"/>
+                </a:solidFill>
+                <a:ea typeface="+mn-lt"/>
+                <a:cs typeface="+mn-lt"/>
+              </a:rPr>
+              <a:t>Sharding</a:t>
+            </a:r>
+          </a:p>
+        </p:txBody>
+      </p:sp>
     </p:spTree>
     <p:extLst>
       <p:ext uri="{BB962C8B-B14F-4D97-AF65-F5344CB8AC3E}">
-        <p14:creationId xmlns:p14="http://schemas.microsoft.com/office/powerpoint/2010/main" val="1633172030"/>
+        <p14:creationId xmlns:p14="http://schemas.microsoft.com/office/powerpoint/2010/main" val="2398759303"/>
       </p:ext>
     </p:extLst>
   </p:cSld>
@@ -10865,337 +10458,6 @@
           <p:cNvPr id="2" name="Tytuł 1">
             <a:extLst>
               <a:ext uri="{FF2B5EF4-FFF2-40B4-BE49-F238E27FC236}">
-                <a16:creationId xmlns:a16="http://schemas.microsoft.com/office/drawing/2014/main" id="{A0EC10F1-ADA1-43E5-8D6C-47B44FAAC75F}"/>
-              </a:ext>
-            </a:extLst>
-          </p:cNvPr>
-          <p:cNvSpPr>
-            <a:spLocks noGrp="1"/>
-          </p:cNvSpPr>
-          <p:nvPr>
-            <p:ph type="title"/>
-          </p:nvPr>
-        </p:nvSpPr>
-        <p:spPr>
-          <a:xfrm>
-            <a:off x="684212" y="4487332"/>
-            <a:ext cx="8534400" cy="1507067"/>
-          </a:xfrm>
-        </p:spPr>
-        <p:txBody>
-          <a:bodyPr>
-            <a:normAutofit/>
-          </a:bodyPr>
-          <a:lstStyle/>
-          <a:p>
-            <a:r>
-              <a:rPr lang="en-US" dirty="0"/>
-              <a:t>SHARDING </a:t>
-            </a:r>
-            <a:br>
-              <a:rPr lang="en-US" dirty="0"/>
-            </a:br>
-            <a:r>
-              <a:rPr lang="en-US" sz="2800" dirty="0"/>
-              <a:t>MEMCACHED </a:t>
-            </a:r>
-            <a:r>
-              <a:rPr lang="en-US" sz="2800" dirty="0" err="1"/>
-              <a:t>i</a:t>
-            </a:r>
-            <a:r>
-              <a:rPr lang="en-US" sz="2800" dirty="0"/>
-              <a:t> REPLIKACJA </a:t>
-            </a:r>
-            <a:endParaRPr lang="pl-PL" sz="2800" dirty="0"/>
-          </a:p>
-        </p:txBody>
-      </p:sp>
-      <p:sp>
-        <p:nvSpPr>
-          <p:cNvPr id="8" name="AutoShape 3">
-            <a:extLst>
-              <a:ext uri="{FF2B5EF4-FFF2-40B4-BE49-F238E27FC236}">
-                <a16:creationId xmlns:a16="http://schemas.microsoft.com/office/drawing/2014/main" id="{1ABAA4E1-28CB-4CF7-9568-738543F7BF1D}"/>
-              </a:ext>
-            </a:extLst>
-          </p:cNvPr>
-          <p:cNvSpPr>
-            <a:spLocks noChangeAspect="1" noChangeArrowheads="1" noTextEdit="1"/>
-          </p:cNvSpPr>
-          <p:nvPr/>
-        </p:nvSpPr>
-        <p:spPr bwMode="auto">
-          <a:xfrm>
-            <a:off x="790575" y="777875"/>
-            <a:ext cx="5305425" cy="3487738"/>
-          </a:xfrm>
-          <a:prstGeom prst="rect">
-            <a:avLst/>
-          </a:prstGeom>
-          <a:noFill/>
-          <a:ln>
-            <a:noFill/>
-          </a:ln>
-          <a:extLst>
-            <a:ext uri="{909E8E84-426E-40DD-AFC4-6F175D3DCCD1}">
-              <a14:hiddenFill xmlns:a14="http://schemas.microsoft.com/office/drawing/2010/main">
-                <a:solidFill>
-                  <a:srgbClr val="FFFFFF"/>
-                </a:solidFill>
-              </a14:hiddenFill>
-            </a:ext>
-            <a:ext uri="{91240B29-F687-4F45-9708-019B960494DF}">
-              <a14:hiddenLine xmlns:a14="http://schemas.microsoft.com/office/drawing/2010/main" w="9525">
-                <a:solidFill>
-                  <a:srgbClr val="000000"/>
-                </a:solidFill>
-                <a:miter lim="800000"/>
-                <a:headEnd/>
-                <a:tailEnd/>
-              </a14:hiddenLine>
-            </a:ext>
-          </a:extLst>
-        </p:spPr>
-        <p:txBody>
-          <a:bodyPr vert="horz" wrap="square" lIns="91440" tIns="45720" rIns="91440" bIns="45720" numCol="1" anchor="t" anchorCtr="0" compatLnSpc="1">
-            <a:prstTxWarp prst="textNoShape">
-              <a:avLst/>
-            </a:prstTxWarp>
-          </a:bodyPr>
-          <a:lstStyle/>
-          <a:p>
-            <a:endParaRPr lang="en-US"/>
-          </a:p>
-        </p:txBody>
-      </p:sp>
-      <p:pic>
-        <p:nvPicPr>
-          <p:cNvPr id="10" name="Picture 9" descr="Diagram, engineering drawing&#10;&#10;Description automatically generated">
-            <a:extLst>
-              <a:ext uri="{FF2B5EF4-FFF2-40B4-BE49-F238E27FC236}">
-                <a16:creationId xmlns:a16="http://schemas.microsoft.com/office/drawing/2014/main" id="{DB26545C-41F2-42C0-8B32-ADF6EAE70074}"/>
-              </a:ext>
-            </a:extLst>
-          </p:cNvPr>
-          <p:cNvPicPr>
-            <a:picLocks noChangeAspect="1"/>
-          </p:cNvPicPr>
-          <p:nvPr/>
-        </p:nvPicPr>
-        <p:blipFill>
-          <a:blip r:embed="rId3"/>
-          <a:stretch>
-            <a:fillRect/>
-          </a:stretch>
-        </p:blipFill>
-        <p:spPr>
-          <a:xfrm>
-            <a:off x="684212" y="329916"/>
-            <a:ext cx="7277100" cy="4081504"/>
-          </a:xfrm>
-          <a:prstGeom prst="rect">
-            <a:avLst/>
-          </a:prstGeom>
-        </p:spPr>
-      </p:pic>
-      <p:sp>
-        <p:nvSpPr>
-          <p:cNvPr id="5" name="Symbol zastępczy zawartości 2">
-            <a:extLst>
-              <a:ext uri="{FF2B5EF4-FFF2-40B4-BE49-F238E27FC236}">
-                <a16:creationId xmlns:a16="http://schemas.microsoft.com/office/drawing/2014/main" id="{D1FD0C1A-05FF-450F-B421-EB4B68B21915}"/>
-              </a:ext>
-            </a:extLst>
-          </p:cNvPr>
-          <p:cNvSpPr>
-            <a:spLocks noGrp="1"/>
-          </p:cNvSpPr>
-          <p:nvPr>
-            <p:ph idx="1"/>
-          </p:nvPr>
-        </p:nvSpPr>
-        <p:spPr>
-          <a:xfrm>
-            <a:off x="8471647" y="-2054"/>
-            <a:ext cx="3159872" cy="3575884"/>
-          </a:xfrm>
-        </p:spPr>
-        <p:txBody>
-          <a:bodyPr>
-            <a:normAutofit/>
-          </a:bodyPr>
-          <a:lstStyle/>
-          <a:p>
-            <a:pPr marL="0" indent="0">
-              <a:buNone/>
-            </a:pPr>
-            <a:r>
-              <a:rPr lang="pl-PL" dirty="0">
-                <a:solidFill>
-                  <a:schemeClr val="tx1"/>
-                </a:solidFill>
-              </a:rPr>
-              <a:t>Technika polegająca rozdzieleniu danych na różne bazy</a:t>
-            </a:r>
-          </a:p>
-        </p:txBody>
-      </p:sp>
-    </p:spTree>
-    <p:extLst>
-      <p:ext uri="{BB962C8B-B14F-4D97-AF65-F5344CB8AC3E}">
-        <p14:creationId xmlns:p14="http://schemas.microsoft.com/office/powerpoint/2010/main" val="1111550937"/>
-      </p:ext>
-    </p:extLst>
-  </p:cSld>
-  <p:clrMapOvr>
-    <a:masterClrMapping/>
-  </p:clrMapOvr>
-</p:sld>
-</file>
-
-<file path=ppt/slides/slide7.xml><?xml version="1.0" encoding="utf-8"?>
-<p:sld xmlns:a="http://schemas.openxmlformats.org/drawingml/2006/main" xmlns:r="http://schemas.openxmlformats.org/officeDocument/2006/relationships" xmlns:p="http://schemas.openxmlformats.org/presentationml/2006/main">
-  <p:cSld>
-    <p:spTree>
-      <p:nvGrpSpPr>
-        <p:cNvPr id="1" name=""/>
-        <p:cNvGrpSpPr/>
-        <p:nvPr/>
-      </p:nvGrpSpPr>
-      <p:grpSpPr>
-        <a:xfrm>
-          <a:off x="0" y="0"/>
-          <a:ext cx="0" cy="0"/>
-          <a:chOff x="0" y="0"/>
-          <a:chExt cx="0" cy="0"/>
-        </a:xfrm>
-      </p:grpSpPr>
-      <p:sp>
-        <p:nvSpPr>
-          <p:cNvPr id="2" name="Tytuł 1">
-            <a:extLst>
-              <a:ext uri="{FF2B5EF4-FFF2-40B4-BE49-F238E27FC236}">
-                <a16:creationId xmlns:a16="http://schemas.microsoft.com/office/drawing/2014/main" id="{4B49C389-72C6-4CA2-A110-7525192FABAE}"/>
-              </a:ext>
-            </a:extLst>
-          </p:cNvPr>
-          <p:cNvSpPr>
-            <a:spLocks noGrp="1"/>
-          </p:cNvSpPr>
-          <p:nvPr>
-            <p:ph type="title"/>
-          </p:nvPr>
-        </p:nvSpPr>
-        <p:spPr>
-          <a:xfrm>
-            <a:off x="748286" y="5181599"/>
-            <a:ext cx="8707922" cy="839821"/>
-          </a:xfrm>
-        </p:spPr>
-        <p:txBody>
-          <a:bodyPr anchor="b">
-            <a:normAutofit fontScale="90000"/>
-          </a:bodyPr>
-          <a:lstStyle/>
-          <a:p>
-            <a:r>
-              <a:rPr lang="en-US" sz="4000" dirty="0">
-                <a:solidFill>
-                  <a:srgbClr val="FFFFFF"/>
-                </a:solidFill>
-              </a:rPr>
-              <a:t>SHARDING</a:t>
-            </a:r>
-            <a:br>
-              <a:rPr lang="en-US" sz="3200" dirty="0">
-                <a:solidFill>
-                  <a:srgbClr val="FFFFFF"/>
-                </a:solidFill>
-              </a:rPr>
-            </a:br>
-            <a:r>
-              <a:rPr lang="en-US" sz="3100" dirty="0">
-                <a:solidFill>
-                  <a:srgbClr val="FFFFFF"/>
-                </a:solidFill>
-              </a:rPr>
-              <a:t>WADY</a:t>
-            </a:r>
-            <a:endParaRPr lang="pl-PL" sz="3100" dirty="0">
-              <a:solidFill>
-                <a:srgbClr val="FFFFFF"/>
-              </a:solidFill>
-            </a:endParaRPr>
-          </a:p>
-        </p:txBody>
-      </p:sp>
-      <p:graphicFrame>
-        <p:nvGraphicFramePr>
-          <p:cNvPr id="7" name="Symbol zastępczy zawartości 2">
-            <a:extLst>
-              <a:ext uri="{FF2B5EF4-FFF2-40B4-BE49-F238E27FC236}">
-                <a16:creationId xmlns:a16="http://schemas.microsoft.com/office/drawing/2014/main" id="{0455C796-275E-4CA1-A47D-80E4CF19448C}"/>
-              </a:ext>
-            </a:extLst>
-          </p:cNvPr>
-          <p:cNvGraphicFramePr>
-            <a:graphicFrameLocks noGrp="1"/>
-          </p:cNvGraphicFramePr>
-          <p:nvPr>
-            <p:ph idx="1"/>
-            <p:extLst>
-              <p:ext uri="{D42A27DB-BD31-4B8C-83A1-F6EECF244321}">
-                <p14:modId xmlns:p14="http://schemas.microsoft.com/office/powerpoint/2010/main" val="1803211052"/>
-              </p:ext>
-            </p:extLst>
-          </p:nvPr>
-        </p:nvGraphicFramePr>
-        <p:xfrm>
-          <a:off x="1098550" y="1096964"/>
-          <a:ext cx="8991114" cy="3630680"/>
-        </p:xfrm>
-        <a:graphic>
-          <a:graphicData uri="http://schemas.openxmlformats.org/drawingml/2006/diagram">
-            <dgm:relIds xmlns:dgm="http://schemas.openxmlformats.org/drawingml/2006/diagram" xmlns:r="http://schemas.openxmlformats.org/officeDocument/2006/relationships" r:dm="rId3" r:lo="rId4" r:qs="rId5" r:cs="rId6"/>
-          </a:graphicData>
-        </a:graphic>
-      </p:graphicFrame>
-    </p:spTree>
-    <p:extLst>
-      <p:ext uri="{BB962C8B-B14F-4D97-AF65-F5344CB8AC3E}">
-        <p14:creationId xmlns:p14="http://schemas.microsoft.com/office/powerpoint/2010/main" val="3978320005"/>
-      </p:ext>
-    </p:extLst>
-  </p:cSld>
-  <p:clrMapOvr>
-    <a:masterClrMapping/>
-  </p:clrMapOvr>
-</p:sld>
-</file>
-
-<file path=ppt/slides/slide8.xml><?xml version="1.0" encoding="utf-8"?>
-<p:sld xmlns:a="http://schemas.openxmlformats.org/drawingml/2006/main" xmlns:r="http://schemas.openxmlformats.org/officeDocument/2006/relationships" xmlns:p="http://schemas.openxmlformats.org/presentationml/2006/main">
-  <p:cSld>
-    <p:spTree>
-      <p:nvGrpSpPr>
-        <p:cNvPr id="1" name=""/>
-        <p:cNvGrpSpPr/>
-        <p:nvPr/>
-      </p:nvGrpSpPr>
-      <p:grpSpPr>
-        <a:xfrm>
-          <a:off x="0" y="0"/>
-          <a:ext cx="0" cy="0"/>
-          <a:chOff x="0" y="0"/>
-          <a:chExt cx="0" cy="0"/>
-        </a:xfrm>
-      </p:grpSpPr>
-      <p:sp>
-        <p:nvSpPr>
-          <p:cNvPr id="2" name="Tytuł 1">
-            <a:extLst>
-              <a:ext uri="{FF2B5EF4-FFF2-40B4-BE49-F238E27FC236}">
                 <a16:creationId xmlns:a16="http://schemas.microsoft.com/office/drawing/2014/main" id="{12D6D0F4-7E1A-4DAC-9986-212A4F84F659}"/>
               </a:ext>
             </a:extLst>
@@ -11397,7 +10659,7 @@
 </p:sld>
 </file>
 
-<file path=ppt/slides/slide9.xml><?xml version="1.0" encoding="utf-8"?>
+<file path=ppt/slides/slide7.xml><?xml version="1.0" encoding="utf-8"?>
 <p:sld xmlns:a="http://schemas.openxmlformats.org/drawingml/2006/main" xmlns:r="http://schemas.openxmlformats.org/officeDocument/2006/relationships" xmlns:p="http://schemas.openxmlformats.org/presentationml/2006/main">
   <p:cSld>
     <p:bg>
@@ -12331,6 +11593,278 @@
     <p:extLst>
       <p:ext uri="{BB962C8B-B14F-4D97-AF65-F5344CB8AC3E}">
         <p14:creationId xmlns:p14="http://schemas.microsoft.com/office/powerpoint/2010/main" val="3786955862"/>
+      </p:ext>
+    </p:extLst>
+  </p:cSld>
+  <p:clrMapOvr>
+    <a:masterClrMapping/>
+  </p:clrMapOvr>
+</p:sld>
+</file>
+
+<file path=ppt/slides/slide8.xml><?xml version="1.0" encoding="utf-8"?>
+<p:sld xmlns:a="http://schemas.openxmlformats.org/drawingml/2006/main" xmlns:r="http://schemas.openxmlformats.org/officeDocument/2006/relationships" xmlns:p="http://schemas.openxmlformats.org/presentationml/2006/main">
+  <p:cSld>
+    <p:bg>
+      <p:bgPr>
+        <a:gradFill rotWithShape="1">
+          <a:gsLst>
+            <a:gs pos="10000">
+              <a:schemeClr val="bg2">
+                <a:tint val="97000"/>
+                <a:hueMod val="92000"/>
+                <a:satMod val="169000"/>
+                <a:lumMod val="164000"/>
+              </a:schemeClr>
+            </a:gs>
+            <a:gs pos="100000">
+              <a:schemeClr val="bg2">
+                <a:shade val="96000"/>
+                <a:satMod val="120000"/>
+                <a:lumMod val="90000"/>
+              </a:schemeClr>
+            </a:gs>
+          </a:gsLst>
+          <a:lin ang="6120000" scaled="1"/>
+        </a:gradFill>
+        <a:effectLst/>
+      </p:bgPr>
+    </p:bg>
+    <p:spTree>
+      <p:nvGrpSpPr>
+        <p:cNvPr id="1" name=""/>
+        <p:cNvGrpSpPr/>
+        <p:nvPr/>
+      </p:nvGrpSpPr>
+      <p:grpSpPr>
+        <a:xfrm>
+          <a:off x="0" y="0"/>
+          <a:ext cx="0" cy="0"/>
+          <a:chOff x="0" y="0"/>
+          <a:chExt cx="0" cy="0"/>
+        </a:xfrm>
+      </p:grpSpPr>
+      <p:sp>
+        <p:nvSpPr>
+          <p:cNvPr id="2" name="Tytuł 1">
+            <a:extLst>
+              <a:ext uri="{FF2B5EF4-FFF2-40B4-BE49-F238E27FC236}">
+                <a16:creationId xmlns:a16="http://schemas.microsoft.com/office/drawing/2014/main" id="{29F3D93C-C9B5-47D3-A818-66B49571FC34}"/>
+              </a:ext>
+            </a:extLst>
+          </p:cNvPr>
+          <p:cNvSpPr>
+            <a:spLocks noGrp="1"/>
+          </p:cNvSpPr>
+          <p:nvPr>
+            <p:ph type="title"/>
+          </p:nvPr>
+        </p:nvSpPr>
+        <p:spPr>
+          <a:xfrm>
+            <a:off x="684212" y="4487332"/>
+            <a:ext cx="8534400" cy="1507067"/>
+          </a:xfrm>
+        </p:spPr>
+        <p:txBody>
+          <a:bodyPr>
+            <a:normAutofit/>
+          </a:bodyPr>
+          <a:lstStyle/>
+          <a:p>
+            <a:r>
+              <a:rPr lang="pl-PL" dirty="0"/>
+              <a:t>Peer-to-</a:t>
+            </a:r>
+            <a:r>
+              <a:rPr lang="pl-PL" dirty="0" err="1"/>
+              <a:t>peer</a:t>
+            </a:r>
+            <a:endParaRPr lang="pl-PL" dirty="0"/>
+          </a:p>
+        </p:txBody>
+      </p:sp>
+      <p:pic>
+        <p:nvPicPr>
+          <p:cNvPr id="4" name="Obraz 3" descr="Obraz zawierający zegar, znak&#10;&#10;Opis wygenerowany automatycznie">
+            <a:extLst>
+              <a:ext uri="{FF2B5EF4-FFF2-40B4-BE49-F238E27FC236}">
+                <a16:creationId xmlns:a16="http://schemas.microsoft.com/office/drawing/2014/main" id="{DEB1EB37-D919-4347-AF17-D4D8B563F681}"/>
+              </a:ext>
+            </a:extLst>
+          </p:cNvPr>
+          <p:cNvPicPr>
+            <a:picLocks noChangeAspect="1"/>
+          </p:cNvPicPr>
+          <p:nvPr/>
+        </p:nvPicPr>
+        <p:blipFill>
+          <a:blip r:embed="rId3"/>
+          <a:stretch>
+            <a:fillRect/>
+          </a:stretch>
+        </p:blipFill>
+        <p:spPr>
+          <a:xfrm>
+            <a:off x="684212" y="822548"/>
+            <a:ext cx="3193436" cy="3575884"/>
+          </a:xfrm>
+          <a:prstGeom prst="rect">
+            <a:avLst/>
+          </a:prstGeom>
+          <a:effectLst>
+            <a:innerShdw blurRad="57150" dist="38100" dir="14460000">
+              <a:prstClr val="black">
+                <a:alpha val="70000"/>
+              </a:prstClr>
+            </a:innerShdw>
+          </a:effectLst>
+        </p:spPr>
+      </p:pic>
+      <p:sp>
+        <p:nvSpPr>
+          <p:cNvPr id="3" name="Symbol zastępczy zawartości 2">
+            <a:extLst>
+              <a:ext uri="{FF2B5EF4-FFF2-40B4-BE49-F238E27FC236}">
+                <a16:creationId xmlns:a16="http://schemas.microsoft.com/office/drawing/2014/main" id="{3767C678-46A4-4F1B-AACD-8B9059FE9A4C}"/>
+              </a:ext>
+            </a:extLst>
+          </p:cNvPr>
+          <p:cNvSpPr>
+            <a:spLocks noGrp="1"/>
+          </p:cNvSpPr>
+          <p:nvPr>
+            <p:ph idx="1"/>
+          </p:nvPr>
+        </p:nvSpPr>
+        <p:spPr>
+          <a:xfrm>
+            <a:off x="5103991" y="822548"/>
+            <a:ext cx="4419171" cy="3575884"/>
+          </a:xfrm>
+        </p:spPr>
+        <p:txBody>
+          <a:bodyPr>
+            <a:normAutofit/>
+          </a:bodyPr>
+          <a:lstStyle/>
+          <a:p>
+            <a:pPr marL="0" indent="0">
+              <a:buNone/>
+            </a:pPr>
+            <a:r>
+              <a:rPr lang="pl-PL" dirty="0">
+                <a:solidFill>
+                  <a:schemeClr val="tx1"/>
+                </a:solidFill>
+              </a:rPr>
+              <a:t>Technika łączenia serwerów w którym każdy jest serwerem równorzędnym</a:t>
+            </a:r>
+          </a:p>
+          <a:p>
+            <a:endParaRPr lang="pl-PL" dirty="0"/>
+          </a:p>
+        </p:txBody>
+      </p:sp>
+    </p:spTree>
+    <p:extLst>
+      <p:ext uri="{BB962C8B-B14F-4D97-AF65-F5344CB8AC3E}">
+        <p14:creationId xmlns:p14="http://schemas.microsoft.com/office/powerpoint/2010/main" val="4262502946"/>
+      </p:ext>
+    </p:extLst>
+  </p:cSld>
+  <p:clrMapOvr>
+    <a:masterClrMapping/>
+  </p:clrMapOvr>
+</p:sld>
+</file>
+
+<file path=ppt/slides/slide9.xml><?xml version="1.0" encoding="utf-8"?>
+<p:sld xmlns:a="http://schemas.openxmlformats.org/drawingml/2006/main" xmlns:r="http://schemas.openxmlformats.org/officeDocument/2006/relationships" xmlns:p="http://schemas.openxmlformats.org/presentationml/2006/main">
+  <p:cSld>
+    <p:spTree>
+      <p:nvGrpSpPr>
+        <p:cNvPr id="1" name=""/>
+        <p:cNvGrpSpPr/>
+        <p:nvPr/>
+      </p:nvGrpSpPr>
+      <p:grpSpPr>
+        <a:xfrm>
+          <a:off x="0" y="0"/>
+          <a:ext cx="0" cy="0"/>
+          <a:chOff x="0" y="0"/>
+          <a:chExt cx="0" cy="0"/>
+        </a:xfrm>
+      </p:grpSpPr>
+      <p:sp>
+        <p:nvSpPr>
+          <p:cNvPr id="2" name="Tytuł 1">
+            <a:extLst>
+              <a:ext uri="{FF2B5EF4-FFF2-40B4-BE49-F238E27FC236}">
+                <a16:creationId xmlns:a16="http://schemas.microsoft.com/office/drawing/2014/main" id="{A1E96F18-1C9E-4B67-AC52-2C9444AF86EF}"/>
+              </a:ext>
+            </a:extLst>
+          </p:cNvPr>
+          <p:cNvSpPr>
+            <a:spLocks noGrp="1"/>
+          </p:cNvSpPr>
+          <p:nvPr>
+            <p:ph type="title"/>
+          </p:nvPr>
+        </p:nvSpPr>
+        <p:spPr/>
+        <p:txBody>
+          <a:bodyPr/>
+          <a:lstStyle/>
+          <a:p>
+            <a:r>
+              <a:rPr lang="pl-PL" dirty="0"/>
+              <a:t>Skalowanie Horyzontalne</a:t>
+            </a:r>
+            <a:br>
+              <a:rPr lang="en-US" dirty="0"/>
+            </a:br>
+            <a:r>
+              <a:rPr lang="en-US" sz="2400" dirty="0"/>
+              <a:t>MEMCACHED I REPLIKACJA</a:t>
+            </a:r>
+            <a:endParaRPr lang="pl-PL" sz="2400" dirty="0"/>
+          </a:p>
+        </p:txBody>
+      </p:sp>
+      <p:pic>
+        <p:nvPicPr>
+          <p:cNvPr id="8" name="Content Placeholder 7" descr="Diagram&#10;&#10;Description automatically generated">
+            <a:extLst>
+              <a:ext uri="{FF2B5EF4-FFF2-40B4-BE49-F238E27FC236}">
+                <a16:creationId xmlns:a16="http://schemas.microsoft.com/office/drawing/2014/main" id="{4D88E602-CC8A-4F22-8B7E-33046D9BAAF9}"/>
+              </a:ext>
+            </a:extLst>
+          </p:cNvPr>
+          <p:cNvPicPr>
+            <a:picLocks noGrp="1" noChangeAspect="1"/>
+          </p:cNvPicPr>
+          <p:nvPr>
+            <p:ph idx="1"/>
+          </p:nvPr>
+        </p:nvPicPr>
+        <p:blipFill>
+          <a:blip r:embed="rId3"/>
+          <a:stretch>
+            <a:fillRect/>
+          </a:stretch>
+        </p:blipFill>
+        <p:spPr>
+          <a:xfrm>
+            <a:off x="684212" y="527799"/>
+            <a:ext cx="7055250" cy="3936625"/>
+          </a:xfrm>
+        </p:spPr>
+      </p:pic>
+    </p:spTree>
+    <p:extLst>
+      <p:ext uri="{BB962C8B-B14F-4D97-AF65-F5344CB8AC3E}">
+        <p14:creationId xmlns:p14="http://schemas.microsoft.com/office/powerpoint/2010/main" val="1633172030"/>
       </p:ext>
     </p:extLst>
   </p:cSld>
